--- a/2015202009(2)/第二次展示.pptx
+++ b/2015202009(2)/第二次展示.pptx
@@ -18,14 +18,12 @@
     <p:sldId id="266" r:id="rId12"/>
     <p:sldId id="267" r:id="rId13"/>
     <p:sldId id="268" r:id="rId14"/>
-    <p:sldId id="277" r:id="rId15"/>
-    <p:sldId id="270" r:id="rId16"/>
-    <p:sldId id="271" r:id="rId17"/>
-    <p:sldId id="261" r:id="rId18"/>
-    <p:sldId id="269" r:id="rId19"/>
-    <p:sldId id="273" r:id="rId20"/>
-    <p:sldId id="262" r:id="rId21"/>
-    <p:sldId id="263" r:id="rId22"/>
+    <p:sldId id="270" r:id="rId15"/>
+    <p:sldId id="261" r:id="rId16"/>
+    <p:sldId id="269" r:id="rId17"/>
+    <p:sldId id="273" r:id="rId18"/>
+    <p:sldId id="262" r:id="rId19"/>
+    <p:sldId id="263" r:id="rId20"/>
   </p:sldIdLst>
   <p:sldSz cx="12192000" cy="6858000"/>
   <p:notesSz cx="6858000" cy="9144000"/>
@@ -1344,7 +1342,7 @@
             <a:fld id="{9334D819-9F07-4261-B09B-9E467E5D9002}" type="datetimeFigureOut">
               <a:rPr lang="en-US" dirty="0"/>
               <a:pPr/>
-              <a:t>11/5/17</a:t>
+              <a:t>11/6/2017</a:t>
             </a:fld>
             <a:endParaRPr lang="en-US" dirty="0"/>
           </a:p>
@@ -1578,7 +1576,7 @@
           <a:p>
             <a:fld id="{9334D819-9F07-4261-B09B-9E467E5D9002}" type="datetimeFigureOut">
               <a:rPr lang="en-US" dirty="0"/>
-              <a:t>11/5/17</a:t>
+              <a:t>11/6/2017</a:t>
             </a:fld>
             <a:endParaRPr lang="en-US" dirty="0"/>
           </a:p>
@@ -1753,7 +1751,7 @@
           <a:p>
             <a:fld id="{9334D819-9F07-4261-B09B-9E467E5D9002}" type="datetimeFigureOut">
               <a:rPr lang="en-US" dirty="0"/>
-              <a:t>11/5/17</a:t>
+              <a:t>11/6/2017</a:t>
             </a:fld>
             <a:endParaRPr lang="en-US" dirty="0"/>
           </a:p>
@@ -1918,7 +1916,7 @@
           <a:p>
             <a:fld id="{9334D819-9F07-4261-B09B-9E467E5D9002}" type="datetimeFigureOut">
               <a:rPr lang="en-US" dirty="0"/>
-              <a:t>11/5/17</a:t>
+              <a:t>11/6/2017</a:t>
             </a:fld>
             <a:endParaRPr lang="en-US" dirty="0"/>
           </a:p>
@@ -2190,7 +2188,7 @@
             <a:fld id="{9334D819-9F07-4261-B09B-9E467E5D9002}" type="datetimeFigureOut">
               <a:rPr lang="en-US" dirty="0"/>
               <a:pPr/>
-              <a:t>11/5/17</a:t>
+              <a:t>11/6/2017</a:t>
             </a:fld>
             <a:endParaRPr lang="en-US" dirty="0"/>
           </a:p>
@@ -3387,7 +3385,7 @@
           <a:p>
             <a:fld id="{9334D819-9F07-4261-B09B-9E467E5D9002}" type="datetimeFigureOut">
               <a:rPr lang="en-US" dirty="0"/>
-              <a:t>11/5/17</a:t>
+              <a:t>11/6/2017</a:t>
             </a:fld>
             <a:endParaRPr lang="en-US" dirty="0"/>
           </a:p>
@@ -3772,7 +3770,7 @@
           <a:p>
             <a:fld id="{9334D819-9F07-4261-B09B-9E467E5D9002}" type="datetimeFigureOut">
               <a:rPr lang="en-US" dirty="0"/>
-              <a:t>11/5/17</a:t>
+              <a:t>11/6/2017</a:t>
             </a:fld>
             <a:endParaRPr lang="en-US" dirty="0"/>
           </a:p>
@@ -3890,7 +3888,7 @@
           <a:p>
             <a:fld id="{9334D819-9F07-4261-B09B-9E467E5D9002}" type="datetimeFigureOut">
               <a:rPr lang="en-US" dirty="0"/>
-              <a:t>11/5/17</a:t>
+              <a:t>11/6/2017</a:t>
             </a:fld>
             <a:endParaRPr lang="en-US" dirty="0"/>
           </a:p>
@@ -3980,7 +3978,7 @@
           <a:p>
             <a:fld id="{9334D819-9F07-4261-B09B-9E467E5D9002}" type="datetimeFigureOut">
               <a:rPr lang="en-US" dirty="0"/>
-              <a:t>11/5/17</a:t>
+              <a:t>11/6/2017</a:t>
             </a:fld>
             <a:endParaRPr lang="en-US" dirty="0"/>
           </a:p>
@@ -4738,7 +4736,7 @@
           <a:p>
             <a:fld id="{9334D819-9F07-4261-B09B-9E467E5D9002}" type="datetimeFigureOut">
               <a:rPr lang="en-US" dirty="0"/>
-              <a:t>11/5/17</a:t>
+              <a:t>11/6/2017</a:t>
             </a:fld>
             <a:endParaRPr lang="en-US" dirty="0"/>
           </a:p>
@@ -5573,7 +5571,7 @@
           <a:p>
             <a:fld id="{9334D819-9F07-4261-B09B-9E467E5D9002}" type="datetimeFigureOut">
               <a:rPr lang="en-US" dirty="0"/>
-              <a:t>11/5/17</a:t>
+              <a:t>11/6/2017</a:t>
             </a:fld>
             <a:endParaRPr lang="en-US" dirty="0"/>
           </a:p>
@@ -5796,7 +5794,7 @@
             <a:fld id="{9334D819-9F07-4261-B09B-9E467E5D9002}" type="datetimeFigureOut">
               <a:rPr lang="en-US" dirty="0"/>
               <a:pPr/>
-              <a:t>11/5/17</a:t>
+              <a:t>11/6/2017</a:t>
             </a:fld>
             <a:endParaRPr lang="en-US" dirty="0"/>
           </a:p>
@@ -7863,70 +7861,110 @@
             <p:ph idx="1"/>
           </p:nvPr>
         </p:nvSpPr>
-        <p:spPr>
-          <a:xfrm>
-            <a:off x="326572" y="920377"/>
-            <a:ext cx="7249885" cy="4985124"/>
-          </a:xfrm>
-        </p:spPr>
+        <p:spPr/>
         <p:txBody>
           <a:bodyPr>
-            <a:normAutofit/>
+            <a:normAutofit lnSpcReduction="10000"/>
           </a:bodyPr>
           <a:lstStyle/>
           <a:p>
             <a:r>
+              <a:rPr kumimoji="1" lang="en-US" altLang="zh-CN" dirty="0"/>
+              <a:t>1.</a:t>
+            </a:r>
+            <a:r>
+              <a:rPr kumimoji="1" lang="zh-CN" altLang="en-US" dirty="0"/>
+              <a:t>读取</a:t>
+            </a:r>
+            <a:r>
+              <a:rPr kumimoji="1" lang="zh-CN" altLang="en-US" dirty="0" smtClean="0"/>
+              <a:t>模型</a:t>
+            </a:r>
+          </a:p>
+          <a:p>
+            <a:r>
               <a:rPr kumimoji="1" lang="en-US" altLang="zh-CN" dirty="0" smtClean="0"/>
-              <a:t>5.</a:t>
+              <a:t>2</a:t>
+            </a:r>
+            <a:r>
+              <a:rPr kumimoji="1" lang="en-US" altLang="zh-CN" dirty="0"/>
+              <a:t>.</a:t>
+            </a:r>
+            <a:r>
+              <a:rPr kumimoji="1" lang="zh-CN" altLang="en-US" dirty="0"/>
+              <a:t>实时截取图片，</a:t>
             </a:r>
             <a:r>
               <a:rPr kumimoji="1" lang="zh-CN" altLang="en-US" dirty="0" smtClean="0"/>
-              <a:t>颜色判断</a:t>
-            </a:r>
-          </a:p>
-          <a:p>
-            <a:pPr marL="0" indent="0">
-              <a:buNone/>
-            </a:pPr>
+              <a:t>并做红绿判断</a:t>
+            </a:r>
+            <a:endParaRPr kumimoji="1" lang="en-US" altLang="zh-CN" dirty="0" smtClean="0"/>
+          </a:p>
+          <a:p>
+            <a:pPr lvl="1"/>
             <a:r>
               <a:rPr kumimoji="1" lang="zh-CN" altLang="en-US" dirty="0"/>
-              <a:t>	</a:t>
-            </a:r>
-            <a:r>
-              <a:rPr kumimoji="1" lang="zh-CN" altLang="en-US" sz="2400" dirty="0" smtClean="0"/>
               <a:t>将</a:t>
             </a:r>
             <a:r>
-              <a:rPr kumimoji="1" lang="en-US" altLang="zh-CN" sz="2400" dirty="0" smtClean="0"/>
+              <a:rPr kumimoji="1" lang="en-US" altLang="zh-CN" dirty="0"/>
               <a:t>RGB</a:t>
             </a:r>
             <a:r>
-              <a:rPr kumimoji="1" lang="zh-CN" altLang="en-US" sz="2400" dirty="0" smtClean="0"/>
+              <a:rPr kumimoji="1" lang="zh-CN" altLang="en-US" dirty="0"/>
               <a:t>图像转化为</a:t>
             </a:r>
             <a:r>
-              <a:rPr kumimoji="1" lang="en-US" altLang="zh-CN" sz="2400" dirty="0" smtClean="0"/>
+              <a:rPr kumimoji="1" lang="en-US" altLang="zh-CN" dirty="0"/>
               <a:t>HSV</a:t>
             </a:r>
             <a:r>
-              <a:rPr kumimoji="1" lang="zh-CN" altLang="en-US" sz="2400" dirty="0" smtClean="0"/>
-              <a:t>图像</a:t>
-            </a:r>
-            <a:r>
-              <a:rPr kumimoji="1" lang="zh-CN" altLang="en-US" sz="2400" dirty="0" smtClean="0"/>
-              <a:t>，</a:t>
-            </a:r>
-            <a:r>
-              <a:rPr kumimoji="1" lang="zh-CN" altLang="en-US" sz="2400" dirty="0" smtClean="0"/>
-              <a:t>遍历</a:t>
-            </a:r>
-            <a:r>
-              <a:rPr kumimoji="1" lang="zh-CN" altLang="en-US" sz="2400" dirty="0" smtClean="0"/>
-              <a:t>图像</a:t>
-            </a:r>
-            <a:r>
-              <a:rPr kumimoji="1" lang="zh-CN" altLang="en-US" sz="2400" dirty="0" smtClean="0"/>
-              <a:t>判断红绿色彩。</a:t>
+              <a:rPr kumimoji="1" lang="zh-CN" altLang="en-US" dirty="0"/>
+              <a:t>图像，遍历图像判断红绿色彩</a:t>
+            </a:r>
+            <a:r>
+              <a:rPr kumimoji="1" lang="zh-CN" altLang="en-US" dirty="0" smtClean="0"/>
+              <a:t>。</a:t>
+            </a:r>
+          </a:p>
+          <a:p>
+            <a:r>
+              <a:rPr kumimoji="1" lang="en-US" altLang="zh-CN" dirty="0" smtClean="0"/>
+              <a:t>3.</a:t>
+            </a:r>
+            <a:r>
+              <a:rPr kumimoji="1" lang="zh-CN" altLang="en-US" dirty="0" smtClean="0"/>
+              <a:t>发送</a:t>
+            </a:r>
+            <a:r>
+              <a:rPr kumimoji="1" lang="zh-CN" altLang="en-US" dirty="0"/>
+              <a:t>信号获取传感器距离</a:t>
+            </a:r>
+            <a:r>
+              <a:rPr kumimoji="1" lang="zh-CN" altLang="en-US" dirty="0" smtClean="0"/>
+              <a:t>信息</a:t>
+            </a:r>
+          </a:p>
+          <a:p>
+            <a:r>
+              <a:rPr kumimoji="1" lang="en-US" altLang="zh-CN" dirty="0"/>
+              <a:t>4</a:t>
+            </a:r>
+            <a:r>
+              <a:rPr kumimoji="1" lang="en-US" altLang="zh-CN" dirty="0" smtClean="0"/>
+              <a:t>.</a:t>
+            </a:r>
+            <a:r>
+              <a:rPr kumimoji="1" lang="zh-CN" altLang="en-US" dirty="0"/>
+              <a:t>离墙较近时，对图片进行预处理，特征提取，向量量化等，并使用</a:t>
+            </a:r>
+            <a:r>
+              <a:rPr kumimoji="1" lang="en-US" altLang="zh-CN" dirty="0"/>
+              <a:t>SVM</a:t>
+            </a:r>
+            <a:r>
+              <a:rPr kumimoji="1" lang="zh-CN" altLang="en-US" dirty="0"/>
+              <a:t>进行分类，决定转弯方向，返回给小车</a:t>
             </a:r>
           </a:p>
         </p:txBody>
@@ -7946,194 +7984,6 @@
           <a:bodyPr/>
           <a:lstStyle/>
           <a:p>
-            <a:r>
-              <a:rPr kumimoji="1" lang="zh-CN" altLang="en-US" sz="2800" dirty="0" smtClean="0">
-                <a:solidFill>
-                  <a:srgbClr val="F3F3F2"/>
-                </a:solidFill>
-              </a:rPr>
-              <a:t>      </a:t>
-            </a:r>
-            <a:r>
-              <a:rPr kumimoji="1" lang="en-US" altLang="zh-CN" sz="2800" dirty="0" smtClean="0">
-                <a:solidFill>
-                  <a:srgbClr val="F3F3F2"/>
-                </a:solidFill>
-              </a:rPr>
-              <a:t>——</a:t>
-            </a:r>
-            <a:r>
-              <a:rPr kumimoji="1" lang="zh-CN" altLang="en-US" sz="2800" dirty="0">
-                <a:solidFill>
-                  <a:srgbClr val="F3F3F2"/>
-                </a:solidFill>
-              </a:rPr>
-              <a:t>训练模型</a:t>
-            </a:r>
-            <a:endParaRPr kumimoji="1" lang="zh-CN" altLang="en-US" dirty="0"/>
-          </a:p>
-        </p:txBody>
-      </p:sp>
-    </p:spTree>
-    <p:extLst>
-      <p:ext uri="{BB962C8B-B14F-4D97-AF65-F5344CB8AC3E}">
-        <p14:creationId xmlns:p14="http://schemas.microsoft.com/office/powerpoint/2010/main" val="1519501544"/>
-      </p:ext>
-    </p:extLst>
-  </p:cSld>
-  <p:clrMapOvr>
-    <a:masterClrMapping/>
-  </p:clrMapOvr>
-</p:sld>
-</file>
-
-<file path=ppt/slides/slide15.xml><?xml version="1.0" encoding="utf-8"?>
-<p:sld xmlns:a="http://schemas.openxmlformats.org/drawingml/2006/main" xmlns:r="http://schemas.openxmlformats.org/officeDocument/2006/relationships" xmlns:p="http://schemas.openxmlformats.org/presentationml/2006/main">
-  <p:cSld>
-    <p:spTree>
-      <p:nvGrpSpPr>
-        <p:cNvPr id="1" name=""/>
-        <p:cNvGrpSpPr/>
-        <p:nvPr/>
-      </p:nvGrpSpPr>
-      <p:grpSpPr>
-        <a:xfrm>
-          <a:off x="0" y="0"/>
-          <a:ext cx="0" cy="0"/>
-          <a:chOff x="0" y="0"/>
-          <a:chExt cx="0" cy="0"/>
-        </a:xfrm>
-      </p:grpSpPr>
-      <p:sp>
-        <p:nvSpPr>
-          <p:cNvPr id="2" name="标题 1"/>
-          <p:cNvSpPr>
-            <a:spLocks noGrp="1"/>
-          </p:cNvSpPr>
-          <p:nvPr>
-            <p:ph type="title"/>
-          </p:nvPr>
-        </p:nvSpPr>
-        <p:spPr/>
-        <p:txBody>
-          <a:bodyPr/>
-          <a:lstStyle/>
-          <a:p>
-            <a:r>
-              <a:rPr kumimoji="1" lang="zh-CN" altLang="en-US" sz="3200" dirty="0">
-                <a:solidFill>
-                  <a:srgbClr val="F8B323"/>
-                </a:solidFill>
-              </a:rPr>
-              <a:t>代码逻辑</a:t>
-            </a:r>
-            <a:endParaRPr kumimoji="1" lang="zh-CN" altLang="en-US" dirty="0"/>
-          </a:p>
-        </p:txBody>
-      </p:sp>
-      <p:sp>
-        <p:nvSpPr>
-          <p:cNvPr id="3" name="内容占位符 2"/>
-          <p:cNvSpPr>
-            <a:spLocks noGrp="1"/>
-          </p:cNvSpPr>
-          <p:nvPr>
-            <p:ph idx="1"/>
-          </p:nvPr>
-        </p:nvSpPr>
-        <p:spPr/>
-        <p:txBody>
-          <a:bodyPr/>
-          <a:lstStyle/>
-          <a:p>
-            <a:r>
-              <a:rPr kumimoji="1" lang="en-US" altLang="zh-CN" dirty="0"/>
-              <a:t>1.</a:t>
-            </a:r>
-            <a:r>
-              <a:rPr kumimoji="1" lang="zh-CN" altLang="en-US" dirty="0"/>
-              <a:t>读取</a:t>
-            </a:r>
-            <a:r>
-              <a:rPr kumimoji="1" lang="zh-CN" altLang="en-US" dirty="0" smtClean="0"/>
-              <a:t>模型</a:t>
-            </a:r>
-          </a:p>
-          <a:p>
-            <a:r>
-              <a:rPr kumimoji="1" lang="en-US" altLang="zh-CN" dirty="0" smtClean="0"/>
-              <a:t>2</a:t>
-            </a:r>
-            <a:r>
-              <a:rPr kumimoji="1" lang="en-US" altLang="zh-CN" dirty="0"/>
-              <a:t>.</a:t>
-            </a:r>
-            <a:r>
-              <a:rPr kumimoji="1" lang="zh-CN" altLang="en-US" dirty="0"/>
-              <a:t>实时截取图片，</a:t>
-            </a:r>
-            <a:r>
-              <a:rPr kumimoji="1" lang="zh-CN" altLang="en-US" dirty="0" smtClean="0"/>
-              <a:t>并做红绿判断</a:t>
-            </a:r>
-          </a:p>
-          <a:p>
-            <a:r>
-              <a:rPr kumimoji="1" lang="en-US" altLang="zh-CN" dirty="0" smtClean="0"/>
-              <a:t>3.</a:t>
-            </a:r>
-            <a:r>
-              <a:rPr kumimoji="1" lang="zh-CN" altLang="en-US" dirty="0" smtClean="0"/>
-              <a:t>发送</a:t>
-            </a:r>
-            <a:r>
-              <a:rPr kumimoji="1" lang="zh-CN" altLang="en-US" dirty="0"/>
-              <a:t>信号获取传感器距离</a:t>
-            </a:r>
-            <a:r>
-              <a:rPr kumimoji="1" lang="zh-CN" altLang="en-US" dirty="0" smtClean="0"/>
-              <a:t>信息</a:t>
-            </a:r>
-          </a:p>
-          <a:p>
-            <a:r>
-              <a:rPr kumimoji="1" lang="en-US" altLang="zh-CN" dirty="0"/>
-              <a:t>4</a:t>
-            </a:r>
-            <a:r>
-              <a:rPr kumimoji="1" lang="en-US" altLang="zh-CN" dirty="0" smtClean="0"/>
-              <a:t>.</a:t>
-            </a:r>
-            <a:r>
-              <a:rPr kumimoji="1" lang="zh-CN" altLang="en-US" dirty="0"/>
-              <a:t>离墙较近时，对图片进行预处理，特征提取，向量量化等，并使用</a:t>
-            </a:r>
-            <a:r>
-              <a:rPr kumimoji="1" lang="en-US" altLang="zh-CN" dirty="0"/>
-              <a:t>SVM</a:t>
-            </a:r>
-            <a:r>
-              <a:rPr kumimoji="1" lang="zh-CN" altLang="en-US" dirty="0"/>
-              <a:t>进行分类，决定转弯方向，返回给小车</a:t>
-            </a:r>
-          </a:p>
-        </p:txBody>
-      </p:sp>
-      <p:sp>
-        <p:nvSpPr>
-          <p:cNvPr id="4" name="文本占位符 3"/>
-          <p:cNvSpPr>
-            <a:spLocks noGrp="1"/>
-          </p:cNvSpPr>
-          <p:nvPr>
-            <p:ph type="body" sz="half" idx="2"/>
-          </p:nvPr>
-        </p:nvSpPr>
-        <p:spPr/>
-        <p:txBody>
-          <a:bodyPr/>
-          <a:lstStyle/>
-          <a:p>
             <a:pPr lvl="0">
               <a:buClr>
                 <a:srgbClr val="2A1A00"/>
@@ -8180,128 +8030,7 @@
 </p:sld>
 </file>
 
-<file path=ppt/slides/slide16.xml><?xml version="1.0" encoding="utf-8"?>
-<p:sld xmlns:a="http://schemas.openxmlformats.org/drawingml/2006/main" xmlns:r="http://schemas.openxmlformats.org/officeDocument/2006/relationships" xmlns:p="http://schemas.openxmlformats.org/presentationml/2006/main">
-  <p:cSld>
-    <p:spTree>
-      <p:nvGrpSpPr>
-        <p:cNvPr id="1" name=""/>
-        <p:cNvGrpSpPr/>
-        <p:nvPr/>
-      </p:nvGrpSpPr>
-      <p:grpSpPr>
-        <a:xfrm>
-          <a:off x="0" y="0"/>
-          <a:ext cx="0" cy="0"/>
-          <a:chOff x="0" y="0"/>
-          <a:chExt cx="0" cy="0"/>
-        </a:xfrm>
-      </p:grpSpPr>
-      <p:sp>
-        <p:nvSpPr>
-          <p:cNvPr id="2" name="标题 1"/>
-          <p:cNvSpPr>
-            <a:spLocks noGrp="1"/>
-          </p:cNvSpPr>
-          <p:nvPr>
-            <p:ph type="title"/>
-          </p:nvPr>
-        </p:nvSpPr>
-        <p:spPr/>
-        <p:txBody>
-          <a:bodyPr/>
-          <a:lstStyle/>
-          <a:p>
-            <a:r>
-              <a:rPr kumimoji="1" lang="zh-CN" altLang="en-US" dirty="0" smtClean="0"/>
-              <a:t>遇到的问题</a:t>
-            </a:r>
-            <a:endParaRPr kumimoji="1" lang="zh-CN" altLang="en-US" dirty="0"/>
-          </a:p>
-        </p:txBody>
-      </p:sp>
-      <p:sp>
-        <p:nvSpPr>
-          <p:cNvPr id="3" name="内容占位符 2"/>
-          <p:cNvSpPr>
-            <a:spLocks noGrp="1"/>
-          </p:cNvSpPr>
-          <p:nvPr>
-            <p:ph idx="1"/>
-          </p:nvPr>
-        </p:nvSpPr>
-        <p:spPr/>
-        <p:txBody>
-          <a:bodyPr/>
-          <a:lstStyle/>
-          <a:p>
-            <a:r>
-              <a:rPr kumimoji="1" lang="en-US" altLang="zh-CN" dirty="0" smtClean="0"/>
-              <a:t>1.</a:t>
-            </a:r>
-            <a:r>
-              <a:rPr kumimoji="1" lang="zh-CN" altLang="en-US" dirty="0" smtClean="0"/>
-              <a:t>收集数据的效率较低，只能靠人工慢慢控制，数据量较少。</a:t>
-            </a:r>
-          </a:p>
-          <a:p>
-            <a:r>
-              <a:rPr kumimoji="1" lang="zh-CN" altLang="en-US" dirty="0" smtClean="0"/>
-              <a:t> </a:t>
-            </a:r>
-            <a:r>
-              <a:rPr kumimoji="1" lang="en-US" altLang="zh-CN" dirty="0" smtClean="0"/>
-              <a:t>2.</a:t>
-            </a:r>
-            <a:r>
-              <a:rPr kumimoji="1" lang="zh-CN" altLang="en-US" dirty="0" smtClean="0"/>
-              <a:t>筛选数据时每位成员的标准不同，导致筛选效率不够高</a:t>
-            </a:r>
-          </a:p>
-          <a:p>
-            <a:r>
-              <a:rPr kumimoji="1" lang="en-US" altLang="zh-CN" dirty="0" smtClean="0"/>
-              <a:t>3.</a:t>
-            </a:r>
-            <a:r>
-              <a:rPr kumimoji="1" lang="zh-CN" altLang="en-US" dirty="0"/>
-              <a:t>由于</a:t>
-            </a:r>
-            <a:r>
-              <a:rPr kumimoji="1" lang="en-US" altLang="zh-CN" dirty="0" err="1"/>
-              <a:t>OpenCV</a:t>
-            </a:r>
-            <a:r>
-              <a:rPr kumimoji="1" lang="zh-CN" altLang="en-US" dirty="0"/>
-              <a:t>的版本不同，成员在检查代码的时候出现了目前不知道如何调试的错误</a:t>
-            </a:r>
-          </a:p>
-          <a:p>
-            <a:endParaRPr kumimoji="1" lang="zh-CN" altLang="en-US" dirty="0"/>
-          </a:p>
-        </p:txBody>
-      </p:sp>
-    </p:spTree>
-    <p:extLst>
-      <p:ext uri="{BB962C8B-B14F-4D97-AF65-F5344CB8AC3E}">
-        <p14:creationId xmlns:p14="http://schemas.microsoft.com/office/powerpoint/2010/main" val="1726637497"/>
-      </p:ext>
-    </p:extLst>
-  </p:cSld>
-  <p:clrMapOvr>
-    <a:masterClrMapping/>
-  </p:clrMapOvr>
-  <p:timing>
-    <p:tnLst>
-      <p:par>
-        <p:cTn id="1" dur="indefinite" restart="never" nodeType="tmRoot"/>
-      </p:par>
-    </p:tnLst>
-  </p:timing>
-</p:sld>
-</file>
-
-<file path=ppt/slides/slide17.xml><?xml version="1.0" encoding="utf-8"?>
+<file path=ppt/slides/slide15.xml><?xml version="1.0" encoding="utf-8"?>
 <p:sld xmlns:a="http://schemas.openxmlformats.org/drawingml/2006/main" xmlns:r="http://schemas.openxmlformats.org/officeDocument/2006/relationships" xmlns:p="http://schemas.openxmlformats.org/presentationml/2006/main">
   <p:cSld>
     <p:spTree>
@@ -8518,7 +8247,7 @@
 </p:sld>
 </file>
 
-<file path=ppt/slides/slide18.xml><?xml version="1.0" encoding="utf-8"?>
+<file path=ppt/slides/slide16.xml><?xml version="1.0" encoding="utf-8"?>
 <p:sld xmlns:a="http://schemas.openxmlformats.org/drawingml/2006/main" xmlns:r="http://schemas.openxmlformats.org/officeDocument/2006/relationships" xmlns:p="http://schemas.openxmlformats.org/presentationml/2006/main">
   <p:cSld>
     <p:spTree>
@@ -8719,7 +8448,7 @@
 </p:sld>
 </file>
 
-<file path=ppt/slides/slide19.xml><?xml version="1.0" encoding="utf-8"?>
+<file path=ppt/slides/slide17.xml><?xml version="1.0" encoding="utf-8"?>
 <p:sld xmlns:a="http://schemas.openxmlformats.org/drawingml/2006/main" xmlns:r="http://schemas.openxmlformats.org/officeDocument/2006/relationships" xmlns:p="http://schemas.openxmlformats.org/presentationml/2006/main">
   <p:cSld>
     <p:spTree>
@@ -8769,14 +8498,14 @@
             <p:ph idx="1"/>
             <p:extLst>
               <p:ext uri="{D42A27DB-BD31-4B8C-83A1-F6EECF244321}">
-                <p14:modId xmlns:p14="http://schemas.microsoft.com/office/powerpoint/2010/main" val="1915261227"/>
+                <p14:modId xmlns:p14="http://schemas.microsoft.com/office/powerpoint/2010/main" val="3350102092"/>
               </p:ext>
             </p:extLst>
           </p:nvPr>
         </p:nvGraphicFramePr>
         <p:xfrm>
           <a:off x="927917" y="1138542"/>
-          <a:ext cx="10825844" cy="5002346"/>
+          <a:ext cx="10825844" cy="5276666"/>
         </p:xfrm>
         <a:graphic>
           <a:graphicData uri="http://schemas.openxmlformats.org/drawingml/2006/table">
@@ -8788,28 +8517,28 @@
                 <a:gridCol w="2706461">
                   <a:extLst>
                     <a:ext uri="{9D8B030D-6E8A-4147-A177-3AD203B41FA5}">
-                      <a16:colId xmlns:a16="http://schemas.microsoft.com/office/drawing/2014/main" xmlns="" val="20000"/>
+                      <a16:colId xmlns:a16="http://schemas.microsoft.com/office/drawing/2014/main" val="20000"/>
                     </a:ext>
                   </a:extLst>
                 </a:gridCol>
                 <a:gridCol w="2706461">
                   <a:extLst>
                     <a:ext uri="{9D8B030D-6E8A-4147-A177-3AD203B41FA5}">
-                      <a16:colId xmlns:a16="http://schemas.microsoft.com/office/drawing/2014/main" xmlns="" val="20001"/>
+                      <a16:colId xmlns:a16="http://schemas.microsoft.com/office/drawing/2014/main" val="20001"/>
                     </a:ext>
                   </a:extLst>
                 </a:gridCol>
                 <a:gridCol w="2706461">
                   <a:extLst>
                     <a:ext uri="{9D8B030D-6E8A-4147-A177-3AD203B41FA5}">
-                      <a16:colId xmlns:a16="http://schemas.microsoft.com/office/drawing/2014/main" xmlns="" val="20002"/>
+                      <a16:colId xmlns:a16="http://schemas.microsoft.com/office/drawing/2014/main" val="20002"/>
                     </a:ext>
                   </a:extLst>
                 </a:gridCol>
                 <a:gridCol w="2706461">
                   <a:extLst>
                     <a:ext uri="{9D8B030D-6E8A-4147-A177-3AD203B41FA5}">
-                      <a16:colId xmlns:a16="http://schemas.microsoft.com/office/drawing/2014/main" xmlns="" val="20003"/>
+                      <a16:colId xmlns:a16="http://schemas.microsoft.com/office/drawing/2014/main" val="20003"/>
                     </a:ext>
                   </a:extLst>
                 </a:gridCol>
@@ -8873,7 +8602,7 @@
                 </a:tc>
                 <a:extLst>
                   <a:ext uri="{0D108BD9-81ED-4DB2-BD59-A6C34878D82A}">
-                    <a16:rowId xmlns:a16="http://schemas.microsoft.com/office/drawing/2014/main" xmlns="" val="10000"/>
+                    <a16:rowId xmlns:a16="http://schemas.microsoft.com/office/drawing/2014/main" val="10000"/>
                   </a:ext>
                 </a:extLst>
               </a:tr>
@@ -8993,6 +8722,16 @@
                       <a:r>
                         <a:rPr lang="zh-CN" altLang="en-US" dirty="0" smtClean="0"/>
                         <a:t>编写主函数与小车通信功能的代码</a:t>
+                      </a:r>
+                      <a:endParaRPr lang="en-US" altLang="zh-CN" dirty="0" smtClean="0"/>
+                    </a:p>
+                    <a:p>
+                      <a:pPr marL="342900" indent="-342900">
+                        <a:buAutoNum type="arabicPeriod"/>
+                      </a:pPr>
+                      <a:r>
+                        <a:rPr lang="zh-CN" altLang="en-US" dirty="0" smtClean="0"/>
+                        <a:t>拍摄展示视频</a:t>
                       </a:r>
                       <a:endParaRPr lang="en-US" altLang="zh-CN" dirty="0" smtClean="0"/>
                     </a:p>
@@ -9167,6 +8906,30 @@
                       <a:r>
                         <a:rPr lang="zh-CN" altLang="en-US" dirty="0" smtClean="0"/>
                         <a:t>编写主函数判断小车转弯方向的程序</a:t>
+                      </a:r>
+                      <a:endParaRPr lang="en-US" altLang="zh-CN" dirty="0" smtClean="0"/>
+                    </a:p>
+                    <a:p>
+                      <a:pPr marL="342900" marR="0" indent="-342900" algn="l" defTabSz="914400" rtl="0" eaLnBrk="1" fontAlgn="auto" latinLnBrk="0" hangingPunct="1">
+                        <a:lnSpc>
+                          <a:spcPct val="100000"/>
+                        </a:lnSpc>
+                        <a:spcBef>
+                          <a:spcPts val="0"/>
+                        </a:spcBef>
+                        <a:spcAft>
+                          <a:spcPts val="0"/>
+                        </a:spcAft>
+                        <a:buClrTx/>
+                        <a:buSzTx/>
+                        <a:buFontTx/>
+                        <a:buAutoNum type="arabicPeriod"/>
+                        <a:tabLst/>
+                        <a:defRPr/>
+                      </a:pPr>
+                      <a:r>
+                        <a:rPr lang="zh-CN" altLang="en-US" dirty="0" smtClean="0"/>
+                        <a:t>拍摄展示视频</a:t>
                       </a:r>
                     </a:p>
                   </a:txBody>
@@ -9344,6 +9107,30 @@
                       </a:r>
                       <a:endParaRPr lang="en-US" altLang="zh-CN" dirty="0" smtClean="0"/>
                     </a:p>
+                    <a:p>
+                      <a:pPr marL="342900" marR="0" indent="-342900" algn="l" defTabSz="914400" rtl="0" eaLnBrk="1" fontAlgn="auto" latinLnBrk="0" hangingPunct="1">
+                        <a:lnSpc>
+                          <a:spcPct val="100000"/>
+                        </a:lnSpc>
+                        <a:spcBef>
+                          <a:spcPts val="0"/>
+                        </a:spcBef>
+                        <a:spcAft>
+                          <a:spcPts val="0"/>
+                        </a:spcAft>
+                        <a:buClrTx/>
+                        <a:buSzTx/>
+                        <a:buFontTx/>
+                        <a:buAutoNum type="arabicPeriod"/>
+                        <a:tabLst/>
+                        <a:defRPr/>
+                      </a:pPr>
+                      <a:r>
+                        <a:rPr lang="zh-CN" altLang="en-US" dirty="0" smtClean="0"/>
+                        <a:t>剪辑展示视频</a:t>
+                      </a:r>
+                      <a:endParaRPr lang="en-US" altLang="zh-CN" dirty="0" smtClean="0"/>
+                    </a:p>
                   </a:txBody>
                   <a:tcPr/>
                 </a:tc>
@@ -9387,16 +9174,6 @@
                       </a:pPr>
                       <a:r>
                         <a:rPr lang="zh-CN" altLang="en-US" dirty="0" smtClean="0"/>
-                        <a:t>安装软件</a:t>
-                      </a:r>
-                      <a:endParaRPr lang="en-US" altLang="zh-CN" dirty="0" smtClean="0"/>
-                    </a:p>
-                    <a:p>
-                      <a:pPr marL="342900" indent="-342900">
-                        <a:buAutoNum type="arabicPeriod"/>
-                      </a:pPr>
-                      <a:r>
-                        <a:rPr lang="zh-CN" altLang="en-US" dirty="0" smtClean="0"/>
                         <a:t>完成</a:t>
                       </a:r>
                       <a:r>
@@ -9407,14 +9184,24 @@
                         <a:rPr lang="zh-CN" altLang="en-US" dirty="0" smtClean="0"/>
                         <a:t>张图片的标注</a:t>
                       </a:r>
-                      <a:endParaRPr lang="zh-CN" altLang="en-US" dirty="0"/>
+                      <a:endParaRPr lang="en-US" altLang="zh-CN" dirty="0" smtClean="0"/>
+                    </a:p>
+                    <a:p>
+                      <a:pPr marL="342900" indent="-342900">
+                        <a:buAutoNum type="arabicPeriod"/>
+                      </a:pPr>
+                      <a:r>
+                        <a:rPr lang="zh-CN" altLang="en-US" dirty="0" smtClean="0"/>
+                        <a:t>拍摄展示视频</a:t>
+                      </a:r>
+                      <a:endParaRPr lang="en-US" altLang="zh-CN" dirty="0" smtClean="0"/>
                     </a:p>
                   </a:txBody>
                   <a:tcPr/>
                 </a:tc>
                 <a:extLst>
                   <a:ext uri="{0D108BD9-81ED-4DB2-BD59-A6C34878D82A}">
-                    <a16:rowId xmlns:a16="http://schemas.microsoft.com/office/drawing/2014/main" xmlns="" val="10001"/>
+                    <a16:rowId xmlns:a16="http://schemas.microsoft.com/office/drawing/2014/main" val="10001"/>
                   </a:ext>
                 </a:extLst>
               </a:tr>
@@ -9435,178 +9222,7 @@
 </p:sld>
 </file>
 
-<file path=ppt/slides/slide2.xml><?xml version="1.0" encoding="utf-8"?>
-<p:sld xmlns:a="http://schemas.openxmlformats.org/drawingml/2006/main" xmlns:r="http://schemas.openxmlformats.org/officeDocument/2006/relationships" xmlns:p="http://schemas.openxmlformats.org/presentationml/2006/main">
-  <p:cSld>
-    <p:spTree>
-      <p:nvGrpSpPr>
-        <p:cNvPr id="1" name=""/>
-        <p:cNvGrpSpPr/>
-        <p:nvPr/>
-      </p:nvGrpSpPr>
-      <p:grpSpPr>
-        <a:xfrm>
-          <a:off x="0" y="0"/>
-          <a:ext cx="0" cy="0"/>
-          <a:chOff x="0" y="0"/>
-          <a:chExt cx="0" cy="0"/>
-        </a:xfrm>
-      </p:grpSpPr>
-      <p:sp>
-        <p:nvSpPr>
-          <p:cNvPr id="2" name="标题 1"/>
-          <p:cNvSpPr>
-            <a:spLocks noGrp="1"/>
-          </p:cNvSpPr>
-          <p:nvPr>
-            <p:ph type="title"/>
-          </p:nvPr>
-        </p:nvSpPr>
-        <p:spPr/>
-        <p:txBody>
-          <a:bodyPr/>
-          <a:lstStyle/>
-          <a:p>
-            <a:r>
-              <a:rPr kumimoji="1" lang="zh-CN" altLang="en-US" dirty="0" smtClean="0"/>
-              <a:t>展示内容</a:t>
-            </a:r>
-            <a:endParaRPr kumimoji="1" lang="zh-CN" altLang="en-US" dirty="0"/>
-          </a:p>
-        </p:txBody>
-      </p:sp>
-      <p:sp>
-        <p:nvSpPr>
-          <p:cNvPr id="3" name="内容占位符 2"/>
-          <p:cNvSpPr>
-            <a:spLocks noGrp="1"/>
-          </p:cNvSpPr>
-          <p:nvPr>
-            <p:ph idx="1"/>
-          </p:nvPr>
-        </p:nvSpPr>
-        <p:spPr>
-          <a:xfrm>
-            <a:off x="1251678" y="1371600"/>
-            <a:ext cx="10178322" cy="4963885"/>
-          </a:xfrm>
-        </p:spPr>
-        <p:txBody>
-          <a:bodyPr>
-            <a:normAutofit fontScale="85000" lnSpcReduction="20000"/>
-          </a:bodyPr>
-          <a:lstStyle/>
-          <a:p>
-            <a:r>
-              <a:rPr kumimoji="1" lang="zh-CN" altLang="en-US" dirty="0" smtClean="0"/>
-              <a:t>想要实现的目标</a:t>
-            </a:r>
-          </a:p>
-          <a:p>
-            <a:pPr marL="0" indent="0">
-              <a:buNone/>
-            </a:pPr>
-            <a:endParaRPr kumimoji="1" lang="zh-CN" altLang="en-US" dirty="0" smtClean="0"/>
-          </a:p>
-          <a:p>
-            <a:r>
-              <a:rPr kumimoji="1" lang="zh-CN" altLang="en-US" dirty="0" smtClean="0"/>
-              <a:t>收集数据过程</a:t>
-            </a:r>
-          </a:p>
-          <a:p>
-            <a:pPr marL="0" indent="0">
-              <a:buNone/>
-            </a:pPr>
-            <a:endParaRPr kumimoji="1" lang="zh-CN" altLang="en-US" dirty="0" smtClean="0"/>
-          </a:p>
-          <a:p>
-            <a:r>
-              <a:rPr kumimoji="1" lang="zh-CN" altLang="en-US" dirty="0" smtClean="0"/>
-              <a:t>代码逻辑</a:t>
-            </a:r>
-          </a:p>
-          <a:p>
-            <a:pPr marL="0" indent="0">
-              <a:buNone/>
-            </a:pPr>
-            <a:endParaRPr kumimoji="1" lang="zh-CN" altLang="en-US" dirty="0" smtClean="0"/>
-          </a:p>
-          <a:p>
-            <a:r>
-              <a:rPr kumimoji="1" lang="zh-CN" altLang="en-US" dirty="0" smtClean="0"/>
-              <a:t>遇到的问题</a:t>
-            </a:r>
-          </a:p>
-          <a:p>
-            <a:pPr marL="0" indent="0">
-              <a:buNone/>
-            </a:pPr>
-            <a:endParaRPr kumimoji="1" lang="zh-CN" altLang="en-US" dirty="0" smtClean="0"/>
-          </a:p>
-          <a:p>
-            <a:r>
-              <a:rPr kumimoji="1" lang="zh-CN" altLang="en-US" dirty="0" smtClean="0"/>
-              <a:t>成果展示</a:t>
-            </a:r>
-          </a:p>
-          <a:p>
-            <a:pPr marL="0" indent="0">
-              <a:buNone/>
-            </a:pPr>
-            <a:endParaRPr kumimoji="1" lang="zh-CN" altLang="en-US" dirty="0" smtClean="0"/>
-          </a:p>
-          <a:p>
-            <a:r>
-              <a:rPr kumimoji="1" lang="zh-CN" altLang="en-US" dirty="0" smtClean="0"/>
-              <a:t>模型评价</a:t>
-            </a:r>
-            <a:endParaRPr kumimoji="1" lang="en-US" altLang="zh-CN" dirty="0" smtClean="0"/>
-          </a:p>
-          <a:p>
-            <a:endParaRPr kumimoji="1" lang="en-US" altLang="zh-CN" dirty="0"/>
-          </a:p>
-          <a:p>
-            <a:r>
-              <a:rPr kumimoji="1" lang="zh-CN" altLang="en-US" dirty="0" smtClean="0"/>
-              <a:t>分工</a:t>
-            </a:r>
-          </a:p>
-          <a:p>
-            <a:pPr marL="0" indent="0">
-              <a:buNone/>
-            </a:pPr>
-            <a:endParaRPr kumimoji="1" lang="zh-CN" altLang="en-US" dirty="0" smtClean="0"/>
-          </a:p>
-          <a:p>
-            <a:r>
-              <a:rPr kumimoji="1" lang="zh-CN" altLang="en-US" dirty="0" smtClean="0"/>
-              <a:t>参考文献</a:t>
-            </a:r>
-          </a:p>
-        </p:txBody>
-      </p:sp>
-    </p:spTree>
-    <p:extLst>
-      <p:ext uri="{BB962C8B-B14F-4D97-AF65-F5344CB8AC3E}">
-        <p14:creationId xmlns:p14="http://schemas.microsoft.com/office/powerpoint/2010/main" val="1363911956"/>
-      </p:ext>
-    </p:extLst>
-  </p:cSld>
-  <p:clrMapOvr>
-    <a:masterClrMapping/>
-  </p:clrMapOvr>
-  <p:timing>
-    <p:tnLst>
-      <p:par>
-        <p:cTn id="1" dur="indefinite" restart="never" nodeType="tmRoot"/>
-      </p:par>
-    </p:tnLst>
-  </p:timing>
-</p:sld>
-</file>
-
-<file path=ppt/slides/slide20.xml><?xml version="1.0" encoding="utf-8"?>
+<file path=ppt/slides/slide18.xml><?xml version="1.0" encoding="utf-8"?>
 <p:sld xmlns:a="http://schemas.openxmlformats.org/drawingml/2006/main" xmlns:r="http://schemas.openxmlformats.org/officeDocument/2006/relationships" xmlns:p="http://schemas.openxmlformats.org/presentationml/2006/main">
   <p:cSld>
     <p:spTree>
@@ -9789,7 +9405,7 @@
 </p:sld>
 </file>
 
-<file path=ppt/slides/slide21.xml><?xml version="1.0" encoding="utf-8"?>
+<file path=ppt/slides/slide19.xml><?xml version="1.0" encoding="utf-8"?>
 <p:sld xmlns:a="http://schemas.openxmlformats.org/drawingml/2006/main" xmlns:r="http://schemas.openxmlformats.org/officeDocument/2006/relationships" xmlns:p="http://schemas.openxmlformats.org/presentationml/2006/main">
   <p:cSld>
     <p:spTree>
@@ -9858,6 +9474,165 @@
     <p:extLst>
       <p:ext uri="{BB962C8B-B14F-4D97-AF65-F5344CB8AC3E}">
         <p14:creationId xmlns:p14="http://schemas.microsoft.com/office/powerpoint/2010/main" val="284224165"/>
+      </p:ext>
+    </p:extLst>
+  </p:cSld>
+  <p:clrMapOvr>
+    <a:masterClrMapping/>
+  </p:clrMapOvr>
+  <p:timing>
+    <p:tnLst>
+      <p:par>
+        <p:cTn id="1" dur="indefinite" restart="never" nodeType="tmRoot"/>
+      </p:par>
+    </p:tnLst>
+  </p:timing>
+</p:sld>
+</file>
+
+<file path=ppt/slides/slide2.xml><?xml version="1.0" encoding="utf-8"?>
+<p:sld xmlns:a="http://schemas.openxmlformats.org/drawingml/2006/main" xmlns:r="http://schemas.openxmlformats.org/officeDocument/2006/relationships" xmlns:p="http://schemas.openxmlformats.org/presentationml/2006/main">
+  <p:cSld>
+    <p:spTree>
+      <p:nvGrpSpPr>
+        <p:cNvPr id="1" name=""/>
+        <p:cNvGrpSpPr/>
+        <p:nvPr/>
+      </p:nvGrpSpPr>
+      <p:grpSpPr>
+        <a:xfrm>
+          <a:off x="0" y="0"/>
+          <a:ext cx="0" cy="0"/>
+          <a:chOff x="0" y="0"/>
+          <a:chExt cx="0" cy="0"/>
+        </a:xfrm>
+      </p:grpSpPr>
+      <p:sp>
+        <p:nvSpPr>
+          <p:cNvPr id="2" name="标题 1"/>
+          <p:cNvSpPr>
+            <a:spLocks noGrp="1"/>
+          </p:cNvSpPr>
+          <p:nvPr>
+            <p:ph type="title"/>
+          </p:nvPr>
+        </p:nvSpPr>
+        <p:spPr/>
+        <p:txBody>
+          <a:bodyPr/>
+          <a:lstStyle/>
+          <a:p>
+            <a:r>
+              <a:rPr kumimoji="1" lang="zh-CN" altLang="en-US" dirty="0" smtClean="0"/>
+              <a:t>展示内容</a:t>
+            </a:r>
+            <a:endParaRPr kumimoji="1" lang="zh-CN" altLang="en-US" dirty="0"/>
+          </a:p>
+        </p:txBody>
+      </p:sp>
+      <p:sp>
+        <p:nvSpPr>
+          <p:cNvPr id="3" name="内容占位符 2"/>
+          <p:cNvSpPr>
+            <a:spLocks noGrp="1"/>
+          </p:cNvSpPr>
+          <p:nvPr>
+            <p:ph idx="1"/>
+          </p:nvPr>
+        </p:nvSpPr>
+        <p:spPr>
+          <a:xfrm>
+            <a:off x="1251678" y="1371600"/>
+            <a:ext cx="10178322" cy="4963885"/>
+          </a:xfrm>
+        </p:spPr>
+        <p:txBody>
+          <a:bodyPr>
+            <a:normAutofit fontScale="92500" lnSpcReduction="10000"/>
+          </a:bodyPr>
+          <a:lstStyle/>
+          <a:p>
+            <a:r>
+              <a:rPr kumimoji="1" lang="zh-CN" altLang="en-US" dirty="0" smtClean="0"/>
+              <a:t>想要实现的目标</a:t>
+            </a:r>
+          </a:p>
+          <a:p>
+            <a:pPr marL="0" indent="0">
+              <a:buNone/>
+            </a:pPr>
+            <a:endParaRPr kumimoji="1" lang="zh-CN" altLang="en-US" dirty="0" smtClean="0"/>
+          </a:p>
+          <a:p>
+            <a:r>
+              <a:rPr kumimoji="1" lang="zh-CN" altLang="en-US" dirty="0" smtClean="0"/>
+              <a:t>收集数据过程</a:t>
+            </a:r>
+          </a:p>
+          <a:p>
+            <a:pPr marL="0" indent="0">
+              <a:buNone/>
+            </a:pPr>
+            <a:endParaRPr kumimoji="1" lang="zh-CN" altLang="en-US" dirty="0" smtClean="0"/>
+          </a:p>
+          <a:p>
+            <a:r>
+              <a:rPr kumimoji="1" lang="zh-CN" altLang="en-US" dirty="0" smtClean="0"/>
+              <a:t>代码逻辑</a:t>
+            </a:r>
+          </a:p>
+          <a:p>
+            <a:pPr marL="0" indent="0">
+              <a:buNone/>
+            </a:pPr>
+            <a:endParaRPr kumimoji="1" lang="zh-CN" altLang="en-US" dirty="0" smtClean="0"/>
+          </a:p>
+          <a:p>
+            <a:r>
+              <a:rPr kumimoji="1" lang="zh-CN" altLang="en-US" dirty="0" smtClean="0"/>
+              <a:t>成果展示</a:t>
+            </a:r>
+          </a:p>
+          <a:p>
+            <a:pPr marL="0" indent="0">
+              <a:buNone/>
+            </a:pPr>
+            <a:endParaRPr kumimoji="1" lang="zh-CN" altLang="en-US" dirty="0" smtClean="0"/>
+          </a:p>
+          <a:p>
+            <a:r>
+              <a:rPr kumimoji="1" lang="zh-CN" altLang="en-US" dirty="0" smtClean="0"/>
+              <a:t>模型评价</a:t>
+            </a:r>
+            <a:endParaRPr kumimoji="1" lang="en-US" altLang="zh-CN" dirty="0" smtClean="0"/>
+          </a:p>
+          <a:p>
+            <a:endParaRPr kumimoji="1" lang="en-US" altLang="zh-CN" dirty="0"/>
+          </a:p>
+          <a:p>
+            <a:r>
+              <a:rPr kumimoji="1" lang="zh-CN" altLang="en-US" dirty="0" smtClean="0"/>
+              <a:t>分工</a:t>
+            </a:r>
+          </a:p>
+          <a:p>
+            <a:pPr marL="0" indent="0">
+              <a:buNone/>
+            </a:pPr>
+            <a:endParaRPr kumimoji="1" lang="zh-CN" altLang="en-US" dirty="0" smtClean="0"/>
+          </a:p>
+          <a:p>
+            <a:r>
+              <a:rPr kumimoji="1" lang="zh-CN" altLang="en-US" dirty="0" smtClean="0"/>
+              <a:t>参考文献</a:t>
+            </a:r>
+          </a:p>
+        </p:txBody>
+      </p:sp>
+    </p:spTree>
+    <p:extLst>
+      <p:ext uri="{BB962C8B-B14F-4D97-AF65-F5344CB8AC3E}">
+        <p14:creationId xmlns:p14="http://schemas.microsoft.com/office/powerpoint/2010/main" val="1363911956"/>
       </p:ext>
     </p:extLst>
   </p:cSld>
@@ -9988,8 +9763,41 @@
             <a:pPr lvl="1"/>
             <a:r>
               <a:rPr kumimoji="1" lang="zh-CN" altLang="en-US" dirty="0" smtClean="0"/>
-              <a:t>手机通过蓝牙连接小车，可利用手机控制小车的行驶</a:t>
-            </a:r>
+              <a:t>手机通过蓝牙连接小车，但是蓝牙发送的消息乱码</a:t>
+            </a:r>
+            <a:r>
+              <a:rPr kumimoji="1" lang="en-US" altLang="zh-CN" dirty="0" smtClean="0"/>
+              <a:t>……</a:t>
+            </a:r>
+            <a:r>
+              <a:rPr kumimoji="1" lang="en-US" altLang="zh-CN" dirty="0" err="1" smtClean="0"/>
+              <a:t>emmm</a:t>
+            </a:r>
+            <a:r>
+              <a:rPr kumimoji="1" lang="en-US" altLang="zh-CN" dirty="0" smtClean="0"/>
+              <a:t>……</a:t>
+            </a:r>
+            <a:endParaRPr kumimoji="1" lang="en-US" altLang="zh-CN" dirty="0"/>
+          </a:p>
+          <a:p>
+            <a:pPr lvl="1"/>
+            <a:r>
+              <a:rPr kumimoji="1" lang="zh-CN" altLang="en-US" dirty="0" smtClean="0"/>
+              <a:t>电池烧坏了</a:t>
+            </a:r>
+            <a:r>
+              <a:rPr kumimoji="1" lang="en-US" altLang="zh-CN" dirty="0" smtClean="0"/>
+              <a:t>……</a:t>
+            </a:r>
+            <a:r>
+              <a:rPr kumimoji="1" lang="en-US" altLang="zh-CN" dirty="0" err="1" smtClean="0"/>
+              <a:t>emmm</a:t>
+            </a:r>
+            <a:r>
+              <a:rPr kumimoji="1" lang="en-US" altLang="zh-CN" dirty="0" smtClean="0"/>
+              <a:t>……</a:t>
+            </a:r>
+            <a:endParaRPr kumimoji="1" lang="zh-CN" altLang="en-US" dirty="0" smtClean="0"/>
           </a:p>
           <a:p>
             <a:pPr marL="0" indent="0">
@@ -10008,6 +9816,36 @@
             <a:pPr lvl="1"/>
             <a:r>
               <a:rPr kumimoji="1" lang="zh-CN" altLang="en-US" dirty="0" smtClean="0"/>
+              <a:t>换新电池</a:t>
+            </a:r>
+            <a:r>
+              <a:rPr kumimoji="1" lang="en-US" altLang="zh-CN" dirty="0" smtClean="0"/>
+              <a:t>……</a:t>
+            </a:r>
+          </a:p>
+          <a:p>
+            <a:pPr lvl="1"/>
+            <a:r>
+              <a:rPr kumimoji="1" lang="zh-CN" altLang="en-US" dirty="0" smtClean="0"/>
+              <a:t>手机</a:t>
+            </a:r>
+            <a:r>
+              <a:rPr kumimoji="1" lang="zh-CN" altLang="en-US" dirty="0"/>
+              <a:t>通过蓝牙连接小车，可利用手机控制小车的</a:t>
+            </a:r>
+            <a:r>
+              <a:rPr kumimoji="1" lang="zh-CN" altLang="en-US" dirty="0" smtClean="0"/>
+              <a:t>行驶</a:t>
+            </a:r>
+            <a:r>
+              <a:rPr kumimoji="1" lang="en-US" altLang="zh-CN" dirty="0" smtClean="0"/>
+              <a:t>……</a:t>
+            </a:r>
+          </a:p>
+          <a:p>
+            <a:pPr lvl="1"/>
+            <a:r>
+              <a:rPr kumimoji="1" lang="zh-CN" altLang="en-US" dirty="0" smtClean="0"/>
               <a:t>在小车上固定了一个开启着摄像头的手机</a:t>
             </a:r>
             <a:endParaRPr kumimoji="1" lang="en-US" altLang="zh-CN" dirty="0" smtClean="0"/>
@@ -10055,7 +9893,7 @@
             <a:pPr lvl="1"/>
             <a:r>
               <a:rPr kumimoji="1" lang="zh-CN" altLang="en-US" dirty="0" smtClean="0"/>
-              <a:t>对图像进行处理，使小车能够</a:t>
+              <a:t>根据截图的色调进行判断，使小车能够</a:t>
             </a:r>
             <a:r>
               <a:rPr kumimoji="1" lang="en-US" altLang="zh-CN" dirty="0" smtClean="0"/>
@@ -11140,6 +10978,36 @@
           </a:p>
         </p:txBody>
       </p:sp>
+      <p:pic>
+        <p:nvPicPr>
+          <p:cNvPr id="4" name="图片 3" descr="屏幕剪辑"/>
+          <p:cNvPicPr>
+            <a:picLocks noChangeAspect="1"/>
+          </p:cNvPicPr>
+          <p:nvPr/>
+        </p:nvPicPr>
+        <p:blipFill>
+          <a:blip r:embed="rId2">
+            <a:extLst>
+              <a:ext uri="{28A0092B-C50C-407E-A947-70E740481C1C}">
+                <a14:useLocalDpi xmlns:a14="http://schemas.microsoft.com/office/drawing/2010/main" val="0"/>
+              </a:ext>
+            </a:extLst>
+          </a:blip>
+          <a:stretch>
+            <a:fillRect/>
+          </a:stretch>
+        </p:blipFill>
+        <p:spPr>
+          <a:xfrm>
+            <a:off x="2246210" y="2866587"/>
+            <a:ext cx="6525536" cy="3743847"/>
+          </a:xfrm>
+          <a:prstGeom prst="rect">
+            <a:avLst/>
+          </a:prstGeom>
+        </p:spPr>
+      </p:pic>
     </p:spTree>
     <p:extLst>
       <p:ext uri="{BB962C8B-B14F-4D97-AF65-F5344CB8AC3E}">
